--- a/Lectures/34.2017-11-08.pptx
+++ b/Lectures/34.2017-11-08.pptx
@@ -254,7 +254,7 @@
           <a:p>
             <a:fld id="{696019BD-5A9C-D247-A352-90D6F932FC39}" type="datetimeFigureOut">
               <a:rPr lang="en-US" smtClean="0"/>
-              <a:t>11/8/2017</a:t>
+              <a:t>11/16/2017</a:t>
             </a:fld>
             <a:endParaRPr lang="en-US"/>
           </a:p>
@@ -420,7 +420,7 @@
           <a:p>
             <a:fld id="{1984F9F3-EF58-DB4F-B0ED-0B6B850DA2DF}" type="datetimeFigureOut">
               <a:rPr lang="en-US" smtClean="0"/>
-              <a:t>11/8/2017</a:t>
+              <a:t>11/16/2017</a:t>
             </a:fld>
             <a:endParaRPr lang="en-US"/>
           </a:p>
@@ -4422,23 +4422,7 @@
                   <a:schemeClr val="accent1"/>
                 </a:solidFill>
               </a:rPr>
-              <a:t>November </a:t>
-            </a:r>
-            <a:r>
-              <a:rPr lang="en-US" dirty="0" smtClean="0">
-                <a:solidFill>
-                  <a:schemeClr val="accent1"/>
-                </a:solidFill>
-              </a:rPr>
-              <a:t>8, </a:t>
-            </a:r>
-            <a:r>
-              <a:rPr lang="en-US" dirty="0" smtClean="0">
-                <a:solidFill>
-                  <a:schemeClr val="accent1"/>
-                </a:solidFill>
-              </a:rPr>
-              <a:t>2017</a:t>
+              <a:t>November 8, 2017</a:t>
             </a:r>
           </a:p>
           <a:p>
@@ -4454,7 +4438,7 @@
                   <a:schemeClr val="accent1"/>
                 </a:solidFill>
               </a:rPr>
-              <a:t>Week 11, Class #</a:t>
+              <a:t>Week </a:t>
             </a:r>
             <a:r>
               <a:rPr lang="en-US" dirty="0" smtClean="0">
@@ -4462,13 +4446,16 @@
                   <a:schemeClr val="accent1"/>
                 </a:solidFill>
               </a:rPr>
-              <a:t>34</a:t>
-            </a:r>
-            <a:endParaRPr lang="en-US" dirty="0" smtClean="0">
-              <a:solidFill>
-                <a:schemeClr val="accent1"/>
-              </a:solidFill>
-            </a:endParaRPr>
+              <a:t>12, </a:t>
+            </a:r>
+            <a:r>
+              <a:rPr lang="en-US" dirty="0" smtClean="0">
+                <a:solidFill>
+                  <a:schemeClr val="accent1"/>
+                </a:solidFill>
+              </a:rPr>
+              <a:t>Class #34</a:t>
+            </a:r>
           </a:p>
           <a:p>
             <a:pPr fontAlgn="auto">
@@ -4893,11 +4880,7 @@
           <a:p>
             <a:r>
               <a:rPr lang="en-US" dirty="0" smtClean="0"/>
-              <a:t>See you </a:t>
-            </a:r>
-            <a:r>
-              <a:rPr lang="en-US" dirty="0" smtClean="0"/>
-              <a:t>Friday</a:t>
+              <a:t>See you Friday</a:t>
             </a:r>
             <a:endParaRPr lang="en-US" dirty="0"/>
           </a:p>
@@ -5014,7 +4997,6 @@
               <a:rPr lang="en-US" dirty="0"/>
               <a:t>Release Cycle</a:t>
             </a:r>
-            <a:endParaRPr lang="en-US" dirty="0"/>
           </a:p>
         </p:txBody>
       </p:sp>
@@ -7050,11 +7032,6 @@
               </a:rPr>
               <a:t>Cost of Deployment</a:t>
             </a:r>
-            <a:endParaRPr lang="en-US" dirty="0" smtClean="0">
-              <a:solidFill>
-                <a:schemeClr val="accent1"/>
-              </a:solidFill>
-            </a:endParaRPr>
           </a:p>
           <a:p>
             <a:pPr lvl="1"/>
@@ -7088,11 +7065,6 @@
               </a:rPr>
               <a:t>Rollout</a:t>
             </a:r>
-            <a:endParaRPr lang="en-US" dirty="0" smtClean="0">
-              <a:solidFill>
-                <a:schemeClr val="accent2"/>
-              </a:solidFill>
-            </a:endParaRPr>
           </a:p>
           <a:p>
             <a:pPr marL="0" indent="0">
@@ -7222,11 +7194,6 @@
               </a:rPr>
               <a:t>Time to release drives the schedule</a:t>
             </a:r>
-            <a:endParaRPr lang="en-US" dirty="0" smtClean="0">
-              <a:solidFill>
-                <a:schemeClr val="accent1"/>
-              </a:solidFill>
-            </a:endParaRPr>
           </a:p>
           <a:p>
             <a:pPr lvl="1"/>
